--- a/rpd.pptx
+++ b/rpd.pptx
@@ -4247,7 +4247,7 @@
       </p:sp>
       <p:sp>
         <p:nvSpPr>
-          <p:cNvPr id="8" name="Footer Placeholder 7"/>
+          <p:cNvPr id="10" name="Footer Placeholder 9"/>
           <p:cNvSpPr>
             <a:spLocks noGrp="1"/>
           </p:cNvSpPr>
@@ -4345,7 +4345,7 @@
       </p:sp>
       <p:sp>
         <p:nvSpPr>
-          <p:cNvPr id="7" name="Footer Placeholder 6"/>
+          <p:cNvPr id="9" name="Footer Placeholder 8"/>
           <p:cNvSpPr>
             <a:spLocks noGrp="1"/>
           </p:cNvSpPr>
@@ -4437,13 +4437,23 @@
           <a:bodyPr/>
           <a:lstStyle/>
           <a:p>
-            <a:endParaRPr lang="en-US"/>
-          </a:p>
-        </p:txBody>
-      </p:sp>
-      <p:sp>
-        <p:nvSpPr>
-          <p:cNvPr id="7" name="Footer Placeholder 6"/>
+            <a:r>
+              <a:rPr lang="en-US" dirty="0" smtClean="0"/>
+              <a:t>How can we effectively cluster points to the correct clusters</a:t>
+            </a:r>
+          </a:p>
+          <a:p>
+            <a:r>
+              <a:rPr lang="en-US" dirty="0" smtClean="0"/>
+              <a:t>Can we predict the direction and velocity of the moving cluster</a:t>
+            </a:r>
+            <a:endParaRPr lang="en-US" dirty="0"/>
+          </a:p>
+        </p:txBody>
+      </p:sp>
+      <p:sp>
+        <p:nvSpPr>
+          <p:cNvPr id="9" name="Footer Placeholder 8"/>
           <p:cNvSpPr>
             <a:spLocks noGrp="1"/>
           </p:cNvSpPr>
@@ -4535,13 +4545,27 @@
           <a:bodyPr/>
           <a:lstStyle/>
           <a:p>
-            <a:endParaRPr lang="en-US"/>
-          </a:p>
-        </p:txBody>
-      </p:sp>
-      <p:sp>
-        <p:nvSpPr>
-          <p:cNvPr id="7" name="Footer Placeholder 6"/>
+            <a:r>
+              <a:rPr lang="en-US" dirty="0" smtClean="0"/>
+              <a:t>How to optimize parameters for creating robust K-means clusters</a:t>
+            </a:r>
+          </a:p>
+          <a:p>
+            <a:r>
+              <a:rPr lang="en-US" dirty="0" smtClean="0"/>
+              <a:t>How to determine the velocity and direction of movement </a:t>
+            </a:r>
+            <a:r>
+              <a:rPr lang="en-US" smtClean="0"/>
+              <a:t>of clusters</a:t>
+            </a:r>
+            <a:endParaRPr lang="en-US"/>
+          </a:p>
+        </p:txBody>
+      </p:sp>
+      <p:sp>
+        <p:nvSpPr>
+          <p:cNvPr id="9" name="Footer Placeholder 8"/>
           <p:cNvSpPr>
             <a:spLocks noGrp="1"/>
           </p:cNvSpPr>
@@ -4639,7 +4663,7 @@
       </p:sp>
       <p:sp>
         <p:nvSpPr>
-          <p:cNvPr id="7" name="Footer Placeholder 6"/>
+          <p:cNvPr id="9" name="Footer Placeholder 8"/>
           <p:cNvSpPr>
             <a:spLocks noGrp="1"/>
           </p:cNvSpPr>
@@ -5580,7 +5604,7 @@
 </file>
 
 <file path=customXml/itemProps1.xml><?xml version="1.0" encoding="utf-8"?>
-<ds:datastoreItem xmlns:ds="http://schemas.openxmlformats.org/officeDocument/2006/customXml" ds:itemID="{4DC2AC11-3C55-41A2-96B0-37AAECA93B14}">
+<ds:datastoreItem xmlns:ds="http://schemas.openxmlformats.org/officeDocument/2006/customXml" ds:itemID="{FA98551B-2CEF-4A54-899D-0051C9C4B252}">
   <ds:schemaRefs>
     <ds:schemaRef ds:uri="http://www.w3.org/2001/XMLSchema"/>
     <ds:schemaRef ds:uri="http://www.boldonjames.com/2008/01/sie/internal/label"/>

--- a/rpd.pptx
+++ b/rpd.pptx
@@ -114,6 +114,11 @@
       </a:defRPr>
     </a:lvl9pPr>
   </p:defaultTextStyle>
+  <p:extLst>
+    <p:ext uri="{EFAFB233-063F-42B5-8137-9DF3F51BA10A}">
+      <p15:sldGuideLst xmlns:p15="http://schemas.microsoft.com/office/powerpoint/2012/main"/>
+    </p:ext>
+  </p:extLst>
 </p:presentation>
 </file>
 
@@ -199,7 +204,7 @@
           <a:p>
             <a:fld id="{5FC22FA8-EB85-4CFF-8056-95C583423E62}" type="datetimeFigureOut">
               <a:rPr lang="en-US" smtClean="0"/>
-              <a:t>5/9/2020</a:t>
+              <a:t>5/30/2020</a:t>
             </a:fld>
             <a:endParaRPr lang="en-US"/>
           </a:p>
@@ -382,7 +387,7 @@
           <a:p>
             <a:fld id="{96DE5439-0BA2-4240-B433-26F46FB0A422}" type="datetimeFigureOut">
               <a:rPr lang="en-US" smtClean="0"/>
-              <a:t>5/9/2020</a:t>
+              <a:t>5/30/2020</a:t>
             </a:fld>
             <a:endParaRPr lang="en-US"/>
           </a:p>
@@ -1439,7 +1444,7 @@
           <a:p>
             <a:fld id="{C39A1561-1852-4825-B926-F548308CB577}" type="datetimeFigureOut">
               <a:rPr lang="en-US" smtClean="0"/>
-              <a:t>5/9/2020</a:t>
+              <a:t>5/30/2020</a:t>
             </a:fld>
             <a:endParaRPr lang="en-US"/>
           </a:p>
@@ -1630,7 +1635,7 @@
           <a:p>
             <a:fld id="{C39A1561-1852-4825-B926-F548308CB577}" type="datetimeFigureOut">
               <a:rPr lang="en-US" smtClean="0"/>
-              <a:t>5/9/2020</a:t>
+              <a:t>5/30/2020</a:t>
             </a:fld>
             <a:endParaRPr lang="en-US"/>
           </a:p>
@@ -1810,7 +1815,7 @@
           <a:p>
             <a:fld id="{C39A1561-1852-4825-B926-F548308CB577}" type="datetimeFigureOut">
               <a:rPr lang="en-US" smtClean="0"/>
-              <a:t>5/9/2020</a:t>
+              <a:t>5/30/2020</a:t>
             </a:fld>
             <a:endParaRPr lang="en-US"/>
           </a:p>
@@ -1980,7 +1985,7 @@
           <a:p>
             <a:fld id="{C39A1561-1852-4825-B926-F548308CB577}" type="datetimeFigureOut">
               <a:rPr lang="en-US" smtClean="0"/>
-              <a:t>5/9/2020</a:t>
+              <a:t>5/30/2020</a:t>
             </a:fld>
             <a:endParaRPr lang="en-US"/>
           </a:p>
@@ -2247,7 +2252,7 @@
           <a:p>
             <a:fld id="{C39A1561-1852-4825-B926-F548308CB577}" type="datetimeFigureOut">
               <a:rPr lang="en-US" smtClean="0"/>
-              <a:t>5/9/2020</a:t>
+              <a:t>5/30/2020</a:t>
             </a:fld>
             <a:endParaRPr lang="en-US"/>
           </a:p>
@@ -2479,7 +2484,7 @@
           <a:p>
             <a:fld id="{C39A1561-1852-4825-B926-F548308CB577}" type="datetimeFigureOut">
               <a:rPr lang="en-US" smtClean="0"/>
-              <a:t>5/9/2020</a:t>
+              <a:t>5/30/2020</a:t>
             </a:fld>
             <a:endParaRPr lang="en-US"/>
           </a:p>
@@ -2846,7 +2851,7 @@
           <a:p>
             <a:fld id="{C39A1561-1852-4825-B926-F548308CB577}" type="datetimeFigureOut">
               <a:rPr lang="en-US" smtClean="0"/>
-              <a:t>5/9/2020</a:t>
+              <a:t>5/30/2020</a:t>
             </a:fld>
             <a:endParaRPr lang="en-US"/>
           </a:p>
@@ -2964,7 +2969,7 @@
           <a:p>
             <a:fld id="{C39A1561-1852-4825-B926-F548308CB577}" type="datetimeFigureOut">
               <a:rPr lang="en-US" smtClean="0"/>
-              <a:t>5/9/2020</a:t>
+              <a:t>5/30/2020</a:t>
             </a:fld>
             <a:endParaRPr lang="en-US"/>
           </a:p>
@@ -3059,7 +3064,7 @@
           <a:p>
             <a:fld id="{C39A1561-1852-4825-B926-F548308CB577}" type="datetimeFigureOut">
               <a:rPr lang="en-US" smtClean="0"/>
-              <a:t>5/9/2020</a:t>
+              <a:t>5/30/2020</a:t>
             </a:fld>
             <a:endParaRPr lang="en-US"/>
           </a:p>
@@ -3336,7 +3341,7 @@
           <a:p>
             <a:fld id="{C39A1561-1852-4825-B926-F548308CB577}" type="datetimeFigureOut">
               <a:rPr lang="en-US" smtClean="0"/>
-              <a:t>5/9/2020</a:t>
+              <a:t>5/30/2020</a:t>
             </a:fld>
             <a:endParaRPr lang="en-US"/>
           </a:p>
@@ -3589,7 +3594,7 @@
           <a:p>
             <a:fld id="{C39A1561-1852-4825-B926-F548308CB577}" type="datetimeFigureOut">
               <a:rPr lang="en-US" smtClean="0"/>
-              <a:t>5/9/2020</a:t>
+              <a:t>5/30/2020</a:t>
             </a:fld>
             <a:endParaRPr lang="en-US"/>
           </a:p>
@@ -3802,7 +3807,7 @@
           <a:p>
             <a:fld id="{C39A1561-1852-4825-B926-F548308CB577}" type="datetimeFigureOut">
               <a:rPr lang="en-US" smtClean="0"/>
-              <a:t>5/9/2020</a:t>
+              <a:t>5/30/2020</a:t>
             </a:fld>
             <a:endParaRPr lang="en-US"/>
           </a:p>
@@ -4247,7 +4252,7 @@
       </p:sp>
       <p:sp>
         <p:nvSpPr>
-          <p:cNvPr id="10" name="Footer Placeholder 9"/>
+          <p:cNvPr id="5" name="Footer Placeholder 4"/>
           <p:cNvSpPr>
             <a:spLocks noGrp="1"/>
           </p:cNvSpPr>
@@ -4336,16 +4341,56 @@
         </p:nvSpPr>
         <p:spPr/>
         <p:txBody>
-          <a:bodyPr/>
-          <a:lstStyle/>
-          <a:p>
-            <a:endParaRPr lang="en-US"/>
-          </a:p>
-        </p:txBody>
-      </p:sp>
-      <p:sp>
-        <p:nvSpPr>
-          <p:cNvPr id="9" name="Footer Placeholder 8"/>
+          <a:bodyPr>
+            <a:normAutofit fontScale="85000" lnSpcReduction="10000"/>
+          </a:bodyPr>
+          <a:lstStyle/>
+          <a:p>
+            <a:r>
+              <a:rPr lang="en-US" dirty="0"/>
+              <a:t>Determining the optimal internal grouping based on unlabeled points is a huge challenge due to the ambiguity of the absolute ‘best’ criterion independent of the final goal. </a:t>
+            </a:r>
+            <a:endParaRPr lang="en-US" dirty="0" smtClean="0"/>
+          </a:p>
+          <a:p>
+            <a:r>
+              <a:rPr lang="en-US" dirty="0" smtClean="0"/>
+              <a:t>These </a:t>
+            </a:r>
+            <a:r>
+              <a:rPr lang="en-US" dirty="0"/>
+              <a:t>types of problems are commonly known as an NP-Hard problem which involves a tradeoff of computation time versus accuracy to approximate</a:t>
+            </a:r>
+            <a:r>
+              <a:rPr lang="en-US" dirty="0" smtClean="0"/>
+              <a:t>.</a:t>
+            </a:r>
+          </a:p>
+          <a:p>
+            <a:r>
+              <a:rPr lang="en-US" dirty="0"/>
+              <a:t>This study tries to use optimize the K-means clustering to assign moving points to clusters and then predict the direction and speed of the various clusters. This framework can be extended to predict a possible bottleneck scenarios as well as identifying safety hazards of having a large group of people in a confined space. </a:t>
+            </a:r>
+            <a:endParaRPr lang="en-US" dirty="0" smtClean="0"/>
+          </a:p>
+          <a:p>
+            <a:r>
+              <a:rPr lang="en-US" dirty="0" smtClean="0"/>
+              <a:t>The </a:t>
+            </a:r>
+            <a:r>
+              <a:rPr lang="en-US" dirty="0"/>
+              <a:t>ability to correctly predict changes in direction of clusters with moving points as well as the speed at which it moves brings a huge amount of benefits as it is able to be applied to predict movements of crowd in a large area and possible safety issues that it might bring.</a:t>
+            </a:r>
+          </a:p>
+          <a:p>
+            <a:endParaRPr lang="en-US" dirty="0"/>
+          </a:p>
+        </p:txBody>
+      </p:sp>
+      <p:sp>
+        <p:nvSpPr>
+          <p:cNvPr id="5" name="Footer Placeholder 4"/>
           <p:cNvSpPr>
             <a:spLocks noGrp="1"/>
           </p:cNvSpPr>
@@ -4438,6 +4483,28 @@
           <a:lstStyle/>
           <a:p>
             <a:r>
+              <a:rPr lang="en-US" dirty="0" err="1" smtClean="0"/>
+              <a:t>Kmeans</a:t>
+            </a:r>
+            <a:r>
+              <a:rPr lang="en-US" dirty="0" smtClean="0"/>
+              <a:t> takes a long time to converge</a:t>
+            </a:r>
+          </a:p>
+          <a:p>
+            <a:r>
+              <a:rPr lang="en-US" dirty="0" smtClean="0"/>
+              <a:t>Moving points are a challenge to cluster </a:t>
+            </a:r>
+          </a:p>
+          <a:p>
+            <a:endParaRPr lang="en-US" dirty="0"/>
+          </a:p>
+          <a:p>
+            <a:endParaRPr lang="en-US" dirty="0" smtClean="0"/>
+          </a:p>
+          <a:p>
+            <a:r>
               <a:rPr lang="en-US" dirty="0" smtClean="0"/>
               <a:t>How can we effectively cluster points to the correct clusters</a:t>
             </a:r>
@@ -4453,7 +4520,7 @@
       </p:sp>
       <p:sp>
         <p:nvSpPr>
-          <p:cNvPr id="9" name="Footer Placeholder 8"/>
+          <p:cNvPr id="5" name="Footer Placeholder 4"/>
           <p:cNvSpPr>
             <a:spLocks noGrp="1"/>
           </p:cNvSpPr>
@@ -4553,19 +4620,21 @@
           <a:p>
             <a:r>
               <a:rPr lang="en-US" dirty="0" smtClean="0"/>
-              <a:t>How to determine the velocity and direction of movement </a:t>
-            </a:r>
-            <a:r>
-              <a:rPr lang="en-US" smtClean="0"/>
-              <a:t>of clusters</a:t>
-            </a:r>
-            <a:endParaRPr lang="en-US"/>
-          </a:p>
-        </p:txBody>
-      </p:sp>
-      <p:sp>
-        <p:nvSpPr>
-          <p:cNvPr id="9" name="Footer Placeholder 8"/>
+              <a:t>How to determine the velocity and direction of movement of clusters</a:t>
+            </a:r>
+          </a:p>
+          <a:p>
+            <a:r>
+              <a:rPr lang="en-US" dirty="0" smtClean="0"/>
+              <a:t>How can we predict the continued movements of the clusters</a:t>
+            </a:r>
+            <a:endParaRPr lang="en-US" dirty="0"/>
+          </a:p>
+        </p:txBody>
+      </p:sp>
+      <p:sp>
+        <p:nvSpPr>
+          <p:cNvPr id="5" name="Footer Placeholder 4"/>
           <p:cNvSpPr>
             <a:spLocks noGrp="1"/>
           </p:cNvSpPr>
@@ -4663,7 +4732,7 @@
       </p:sp>
       <p:sp>
         <p:nvSpPr>
-          <p:cNvPr id="9" name="Footer Placeholder 8"/>
+          <p:cNvPr id="5" name="Footer Placeholder 4"/>
           <p:cNvSpPr>
             <a:spLocks noGrp="1"/>
           </p:cNvSpPr>
@@ -5604,7 +5673,7 @@
 </file>
 
 <file path=customXml/itemProps1.xml><?xml version="1.0" encoding="utf-8"?>
-<ds:datastoreItem xmlns:ds="http://schemas.openxmlformats.org/officeDocument/2006/customXml" ds:itemID="{FA98551B-2CEF-4A54-899D-0051C9C4B252}">
+<ds:datastoreItem xmlns:ds="http://schemas.openxmlformats.org/officeDocument/2006/customXml" ds:itemID="{4FED2EBF-EAE9-4B09-ACE5-28D7594C85CF}">
   <ds:schemaRefs>
     <ds:schemaRef ds:uri="http://www.w3.org/2001/XMLSchema"/>
     <ds:schemaRef ds:uri="http://www.boldonjames.com/2008/01/sie/internal/label"/>
